--- a/backend/project/PPTX/Quantum_presentation.pptx
+++ b/backend/project/PPTX/Quantum_presentation.pptx
@@ -3174,7 +3174,7 @@
           <a:lstStyle/>
           <a:p>
             <a:r>
-              <a:t>Future of Quantum</a:t>
+              <a:t>Slide 9: Applications of Quantum Mechanics</a:t>
             </a:r>
           </a:p>
         </p:txBody>
@@ -3196,7 +3196,7 @@
           <a:p>
             <a:r>
               <a:rPr b="1" sz="1800"/>
-              <a:t>The future of quantum looks promising with ongoing research and development in quantum computing, quantum communication, and quantum sensing. As more applications are discovered and technologies mature, quantum could revolutionize various industries and change the way we process information.</a:t>
+              <a:t>Explanation of real-world applications of quantum mechanics in areas like medicine, materials science, and more.</a:t>
             </a:r>
           </a:p>
         </p:txBody>
@@ -3228,7 +3228,7 @@
               <a:defRPr sz="1200"/>
             </a:pPr>
             <a:r>
-              <a:t>- https://www.nature.com/immersive/d41586-019-02265-6/index.html</a:t>
+              <a:t>- Haroche, S., &amp; Raimond, J. M. (2006). Quantum information processing.</a:t>
             </a:r>
           </a:p>
         </p:txBody>
@@ -3267,7 +3267,7 @@
           <a:lstStyle/>
           <a:p>
             <a:r>
-              <a:t>Conclusion</a:t>
+              <a:t>Slide 10: Future of Quantum Technology</a:t>
             </a:r>
           </a:p>
         </p:txBody>
@@ -3289,7 +3289,7 @@
           <a:p>
             <a:r>
               <a:rPr b="1" sz="1800"/>
-              <a:t>In conclusion, quantum mechanics is a fascinating field with profound implications for science and technology. Its principles challenge our classical understanding of the world and open up new possibilities for innovation. The future of quantum is bright, and further advancements in this field are expected to reshape the way we interact with the world.</a:t>
+              <a:t>Discussion on the potential advancements and future developments in quantum technology.</a:t>
             </a:r>
           </a:p>
         </p:txBody>
@@ -3321,7 +3321,7 @@
               <a:defRPr sz="1200"/>
             </a:pPr>
             <a:r>
-              <a:t>- https://www.cambridge.org/core/books/quantum-philosophy/BAB54A43AE80A1D9849D4043B1B6EFD5</a:t>
+              <a:t>- Monroe, C., Meekhof, D. M., King, B. E., &amp; Jefferts, S. R. (1996). Demonstration of a fundamental quantum logic gate.</a:t>
             </a:r>
           </a:p>
         </p:txBody>
@@ -3360,7 +3360,7 @@
           <a:lstStyle/>
           <a:p>
             <a:r>
-              <a:t>Introduction to Quantum</a:t>
+              <a:t>Slide 1: Introduction to Quantum</a:t>
             </a:r>
           </a:p>
         </p:txBody>
@@ -3382,7 +3382,7 @@
           <a:p>
             <a:r>
               <a:rPr b="1" sz="1800"/>
-              <a:t>Quantum mechanics is a fundamental theory in physics that describes the behavior of matter and energy on the smallest scales. It has revolutionized our understanding of the universe and has led to the development of technologies such as quantum computing and quantum cryptography.</a:t>
+              <a:t>Description of what quantum mechanics is and its importance in modern physics.</a:t>
             </a:r>
           </a:p>
         </p:txBody>
@@ -3414,7 +3414,7 @@
               <a:defRPr sz="1200"/>
             </a:pPr>
             <a:r>
-              <a:t>- https://www.britannica.com/science/quantum-mechanics</a:t>
+              <a:t>- Bohr, N. (1913). On the Constitution of Atoms and Molecules.</a:t>
             </a:r>
           </a:p>
         </p:txBody>
@@ -3453,7 +3453,7 @@
           <a:lstStyle/>
           <a:p>
             <a:r>
-              <a:t>Principles of Quantum Mechanics</a:t>
+              <a:t>Slide 2: Quantum Superposition</a:t>
             </a:r>
           </a:p>
         </p:txBody>
@@ -3475,7 +3475,7 @@
           <a:p>
             <a:r>
               <a:rPr b="1" sz="1800"/>
-              <a:t>Key principles of quantum mechanics include superposition, entanglement, and the uncertainty principle. These concepts often defy classical intuition but have been experimentally verified and play a crucial role in modern physics.</a:t>
+              <a:t>Explanation of the concept of superposition and its role in quantum theory.</a:t>
             </a:r>
           </a:p>
         </p:txBody>
@@ -3507,7 +3507,7 @@
               <a:defRPr sz="1200"/>
             </a:pPr>
             <a:r>
-              <a:t>- https://physicsworld.com/a/simple-guide-to-quantum-mechanics/</a:t>
+              <a:t>- Schrodinger, E. (1935). Discussion of Probability Relations between Separated Systems.</a:t>
             </a:r>
           </a:p>
         </p:txBody>
@@ -3546,7 +3546,7 @@
           <a:lstStyle/>
           <a:p>
             <a:r>
-              <a:t>Quantum Computing</a:t>
+              <a:t>Slide 3: Quantum Entanglement</a:t>
             </a:r>
           </a:p>
         </p:txBody>
@@ -3568,7 +3568,7 @@
           <a:p>
             <a:r>
               <a:rPr b="1" sz="1800"/>
-              <a:t>Quantum computers utilize quantum phenomena such as superposition and entanglement to perform calculations much faster than classical computers. They have the potential to solve complex problems in fields like cryptography, drug discovery, and optimization.</a:t>
+              <a:t>Explanation of entanglement and its implications for quantum computing and communication.</a:t>
             </a:r>
           </a:p>
         </p:txBody>
@@ -3600,7 +3600,7 @@
               <a:defRPr sz="1200"/>
             </a:pPr>
             <a:r>
-              <a:t>- https://ai.google/research/teams/applied-science/quantum-ai/</a:t>
+              <a:t>- Einstein, A., Podolsky, B., &amp; Rosen, N. (1935). Can Quantum-Mechanical Description of Physical Reality Be Considered Complete?</a:t>
             </a:r>
           </a:p>
         </p:txBody>
@@ -3639,7 +3639,7 @@
           <a:lstStyle/>
           <a:p>
             <a:r>
-              <a:t>Applications of Quantum Mechanics</a:t>
+              <a:t>Slide 4: Quantum Tunneling</a:t>
             </a:r>
           </a:p>
         </p:txBody>
@@ -3661,7 +3661,7 @@
           <a:p>
             <a:r>
               <a:rPr b="1" sz="1800"/>
-              <a:t>Quantum mechanics has applications in various fields such as quantum cryptography, quantum communications, quantum sensors, and quantum metrology. These technologies leverage the unique properties of quantum systems to achieve secure and efficient solutions.</a:t>
+              <a:t>Description of tunneling phenomenon and its applications in various fields.</a:t>
             </a:r>
           </a:p>
         </p:txBody>
@@ -3693,7 +3693,7 @@
               <a:defRPr sz="1200"/>
             </a:pPr>
             <a:r>
-              <a:t>- https://www.nature.com/subjects/quantum-information</a:t>
+              <a:t>- Bardeen, J. (1957). Theory of Superconductivity.</a:t>
             </a:r>
           </a:p>
         </p:txBody>
@@ -3732,7 +3732,7 @@
           <a:lstStyle/>
           <a:p>
             <a:r>
-              <a:t>Quantum Entanglement</a:t>
+              <a:t>Slide 5: Quantum Teleportation</a:t>
             </a:r>
           </a:p>
         </p:txBody>
@@ -3754,7 +3754,7 @@
           <a:p>
             <a:r>
               <a:rPr b="1" sz="1800"/>
-              <a:t>Quantum entanglement is a phenomenon where two or more particles become connected in such a way that the state of one particle is dependent on the state of another, regardless of the distance between them. This leads to strange and counterintuitive effects like instant communication between entangled particles.</a:t>
+              <a:t>Explanation of teleportation using quantum principles and its potential for secure communication.</a:t>
             </a:r>
           </a:p>
         </p:txBody>
@@ -3786,7 +3786,7 @@
               <a:defRPr sz="1200"/>
             </a:pPr>
             <a:r>
-              <a:t>- https://www.scientificamerican.com/article/what-is-quantum-entanglement/</a:t>
+              <a:t>- Bennett, C. H., &amp; Brassard, G. (1993). Quantum cryptography: Public key distribution and coin tossing.</a:t>
             </a:r>
           </a:p>
         </p:txBody>
@@ -3825,7 +3825,7 @@
           <a:lstStyle/>
           <a:p>
             <a:r>
-              <a:t>Quantum Teleportation</a:t>
+              <a:t>Slide 6: Quantum Computing</a:t>
             </a:r>
           </a:p>
         </p:txBody>
@@ -3847,7 +3847,7 @@
           <a:p>
             <a:r>
               <a:rPr b="1" sz="1800"/>
-              <a:t>Quantum teleportation is a method for transferring quantum information from one location to another without physically moving the particles themselves. It relies on the principles of quantum entanglement and can be used for secure communication and quantum computing.</a:t>
+              <a:t>Overview of quantum computing and its advantages over classical computing.</a:t>
             </a:r>
           </a:p>
         </p:txBody>
@@ -3879,7 +3879,7 @@
               <a:defRPr sz="1200"/>
             </a:pPr>
             <a:r>
-              <a:t>- https://quantumcomputingreport.com/primer/what-is-quantum-teleportation/</a:t>
+              <a:t>- Feynman, R. (1982). Simulating Physics with Computers.</a:t>
             </a:r>
           </a:p>
         </p:txBody>
@@ -3918,7 +3918,7 @@
           <a:lstStyle/>
           <a:p>
             <a:r>
-              <a:t>Quantum Cryptography</a:t>
+              <a:t>Slide 7: Quantum Cryptography</a:t>
             </a:r>
           </a:p>
         </p:txBody>
@@ -3940,7 +3940,7 @@
           <a:p>
             <a:r>
               <a:rPr b="1" sz="1800"/>
-              <a:t>Quantum cryptography uses quantum mechanics to secure communication channels by encoding information in such a way that any eavesdropping would disrupt the quantum state and be detectable. This offers a level of security that is theoretically unhackable.</a:t>
+              <a:t>Introduction to quantum cryptography and its role in secure communication.</a:t>
             </a:r>
           </a:p>
         </p:txBody>
@@ -3972,7 +3972,7 @@
               <a:defRPr sz="1200"/>
             </a:pPr>
             <a:r>
-              <a:t>- https://www.nist.gov/topic/quantum-information-science</a:t>
+              <a:t>- Gisin, N., Ribordy, G., Tittel, W., &amp; Zbinden, H. (2002). Quantum cryptography.</a:t>
             </a:r>
           </a:p>
         </p:txBody>
@@ -4011,7 +4011,7 @@
           <a:lstStyle/>
           <a:p>
             <a:r>
-              <a:t>Challenges in Quantum Technologies</a:t>
+              <a:t>Slide 8: Quantum Algorithms</a:t>
             </a:r>
           </a:p>
         </p:txBody>
@@ -4033,7 +4033,7 @@
           <a:p>
             <a:r>
               <a:rPr b="1" sz="1800"/>
-              <a:t>While quantum technologies hold great promise, there are challenges to overcome such as decoherence, error rates, scaling up systems, and maintaining entanglement over long distances. Researchers are actively working to address these issues to realize the full potential of quantum technologies.</a:t>
+              <a:t>Overview of key algorithms used in quantum computing such as Grover's and Shor's algorithms.</a:t>
             </a:r>
           </a:p>
         </p:txBody>
@@ -4065,7 +4065,7 @@
               <a:defRPr sz="1200"/>
             </a:pPr>
             <a:r>
-              <a:t>- https://news.mit.edu/2021/mit-researchers-quantum-entanglement-0913</a:t>
+              <a:t>- Grover, L. K. (1996). A fast quantum mechanical algorithm for database search.</a:t>
             </a:r>
           </a:p>
         </p:txBody>

--- a/backend/project/PPTX/Quantum_presentation.pptx
+++ b/backend/project/PPTX/Quantum_presentation.pptx
@@ -3174,7 +3174,7 @@
           <a:lstStyle/>
           <a:p>
             <a:r>
-              <a:t>Slide 9: Applications of Quantum Mechanics</a:t>
+              <a:t>Slide 9: Challenges in Quantum Research</a:t>
             </a:r>
           </a:p>
         </p:txBody>
@@ -3196,7 +3196,7 @@
           <a:p>
             <a:r>
               <a:rPr b="1" sz="1800"/>
-              <a:t>Explanation of real-world applications of quantum mechanics in areas like medicine, materials science, and more.</a:t>
+              <a:t>Current challenges faced in advancing quantum technology.</a:t>
             </a:r>
           </a:p>
         </p:txBody>
@@ -3228,7 +3228,7 @@
               <a:defRPr sz="1200"/>
             </a:pPr>
             <a:r>
-              <a:t>- Haroche, S., &amp; Raimond, J. M. (2006). Quantum information processing.</a:t>
+              <a:t>- https://www.azom.com/article.aspx?ArticleID=20176</a:t>
             </a:r>
           </a:p>
         </p:txBody>
@@ -3289,7 +3289,7 @@
           <a:p>
             <a:r>
               <a:rPr b="1" sz="1800"/>
-              <a:t>Discussion on the potential advancements and future developments in quantum technology.</a:t>
+              <a:t>Predictions for the future of quantum technology and research.</a:t>
             </a:r>
           </a:p>
         </p:txBody>
@@ -3321,7 +3321,7 @@
               <a:defRPr sz="1200"/>
             </a:pPr>
             <a:r>
-              <a:t>- Monroe, C., Meekhof, D. M., King, B. E., &amp; Jefferts, S. R. (1996). Demonstration of a fundamental quantum logic gate.</a:t>
+              <a:t>- https://www.nature.com/articles/nature04117</a:t>
             </a:r>
           </a:p>
         </p:txBody>
@@ -3382,7 +3382,7 @@
           <a:p>
             <a:r>
               <a:rPr b="1" sz="1800"/>
-              <a:t>Description of what quantum mechanics is and its importance in modern physics.</a:t>
+              <a:t>Definition of quantum mechanics and its principles.</a:t>
             </a:r>
           </a:p>
         </p:txBody>
@@ -3414,7 +3414,7 @@
               <a:defRPr sz="1200"/>
             </a:pPr>
             <a:r>
-              <a:t>- Bohr, N. (1913). On the Constitution of Atoms and Molecules.</a:t>
+              <a:t>- https://www.britannica.com/science/quantum-mechanics</a:t>
             </a:r>
           </a:p>
         </p:txBody>
@@ -3453,7 +3453,7 @@
           <a:lstStyle/>
           <a:p>
             <a:r>
-              <a:t>Slide 2: Quantum Superposition</a:t>
+              <a:t>Slide 2: History of Quantum Theory</a:t>
             </a:r>
           </a:p>
         </p:txBody>
@@ -3475,7 +3475,7 @@
           <a:p>
             <a:r>
               <a:rPr b="1" sz="1800"/>
-              <a:t>Explanation of the concept of superposition and its role in quantum theory.</a:t>
+              <a:t>Key milestones in the development of quantum theory.</a:t>
             </a:r>
           </a:p>
         </p:txBody>
@@ -3507,7 +3507,7 @@
               <a:defRPr sz="1200"/>
             </a:pPr>
             <a:r>
-              <a:t>- Schrodinger, E. (1935). Discussion of Probability Relations between Separated Systems.</a:t>
+              <a:t>- https://en.wikipedia.org/wiki/History_of_quantum_mechanics</a:t>
             </a:r>
           </a:p>
         </p:txBody>
@@ -3546,7 +3546,7 @@
           <a:lstStyle/>
           <a:p>
             <a:r>
-              <a:t>Slide 3: Quantum Entanglement</a:t>
+              <a:t>Slide 3: Quantum Superposition</a:t>
             </a:r>
           </a:p>
         </p:txBody>
@@ -3568,7 +3568,7 @@
           <a:p>
             <a:r>
               <a:rPr b="1" sz="1800"/>
-              <a:t>Explanation of entanglement and its implications for quantum computing and communication.</a:t>
+              <a:t>Explanation of quantum superposition and its implications.</a:t>
             </a:r>
           </a:p>
         </p:txBody>
@@ -3600,7 +3600,7 @@
               <a:defRPr sz="1200"/>
             </a:pPr>
             <a:r>
-              <a:t>- Einstein, A., Podolsky, B., &amp; Rosen, N. (1935). Can Quantum-Mechanical Description of Physical Reality Be Considered Complete?</a:t>
+              <a:t>- https://www.explainthatstuff.com/quantum-mechanics.html</a:t>
             </a:r>
           </a:p>
         </p:txBody>
@@ -3639,7 +3639,7 @@
           <a:lstStyle/>
           <a:p>
             <a:r>
-              <a:t>Slide 4: Quantum Tunneling</a:t>
+              <a:t>Slide 4: Quantum Entanglement</a:t>
             </a:r>
           </a:p>
         </p:txBody>
@@ -3661,7 +3661,7 @@
           <a:p>
             <a:r>
               <a:rPr b="1" sz="1800"/>
-              <a:t>Description of tunneling phenomenon and its applications in various fields.</a:t>
+              <a:t>Definition of quantum entanglement and its use in quantum computing.</a:t>
             </a:r>
           </a:p>
         </p:txBody>
@@ -3693,7 +3693,7 @@
               <a:defRPr sz="1200"/>
             </a:pPr>
             <a:r>
-              <a:t>- Bardeen, J. (1957). Theory of Superconductivity.</a:t>
+              <a:t>- https://physicsworld.com/a/what-is-quantum-entanglement/</a:t>
             </a:r>
           </a:p>
         </p:txBody>
@@ -3732,7 +3732,7 @@
           <a:lstStyle/>
           <a:p>
             <a:r>
-              <a:t>Slide 5: Quantum Teleportation</a:t>
+              <a:t>Slide 5: Quantum Tunneling</a:t>
             </a:r>
           </a:p>
         </p:txBody>
@@ -3754,7 +3754,7 @@
           <a:p>
             <a:r>
               <a:rPr b="1" sz="1800"/>
-              <a:t>Explanation of teleportation using quantum principles and its potential for secure communication.</a:t>
+              <a:t>Explanation of quantum tunneling and its applications.</a:t>
             </a:r>
           </a:p>
         </p:txBody>
@@ -3786,7 +3786,7 @@
               <a:defRPr sz="1200"/>
             </a:pPr>
             <a:r>
-              <a:t>- Bennett, C. H., &amp; Brassard, G. (1993). Quantum cryptography: Public key distribution and coin tossing.</a:t>
+              <a:t>- https://www.sciencedaily.com/terms/quantum_tunneling.htm</a:t>
             </a:r>
           </a:p>
         </p:txBody>
@@ -3847,7 +3847,7 @@
           <a:p>
             <a:r>
               <a:rPr b="1" sz="1800"/>
-              <a:t>Overview of quantum computing and its advantages over classical computing.</a:t>
+              <a:t>Overview of quantum computing and its potential impact on technology.</a:t>
             </a:r>
           </a:p>
         </p:txBody>
@@ -3879,7 +3879,7 @@
               <a:defRPr sz="1200"/>
             </a:pPr>
             <a:r>
-              <a:t>- Feynman, R. (1982). Simulating Physics with Computers.</a:t>
+              <a:t>- https://www.ibm.com/quantum-computing/what-is-quantum-computing/</a:t>
             </a:r>
           </a:p>
         </p:txBody>
@@ -3918,7 +3918,7 @@
           <a:lstStyle/>
           <a:p>
             <a:r>
-              <a:t>Slide 7: Quantum Cryptography</a:t>
+              <a:t>Slide 7: Quantum Teleportation</a:t>
             </a:r>
           </a:p>
         </p:txBody>
@@ -3940,7 +3940,7 @@
           <a:p>
             <a:r>
               <a:rPr b="1" sz="1800"/>
-              <a:t>Introduction to quantum cryptography and its role in secure communication.</a:t>
+              <a:t>Explanation of quantum teleportation and its current research.</a:t>
             </a:r>
           </a:p>
         </p:txBody>
@@ -3972,7 +3972,7 @@
               <a:defRPr sz="1200"/>
             </a:pPr>
             <a:r>
-              <a:t>- Gisin, N., Ribordy, G., Tittel, W., &amp; Zbinden, H. (2002). Quantum cryptography.</a:t>
+              <a:t>- https://www.scientificamerican.com/article/how-quantum-teleportation-works/</a:t>
             </a:r>
           </a:p>
         </p:txBody>
@@ -4011,7 +4011,7 @@
           <a:lstStyle/>
           <a:p>
             <a:r>
-              <a:t>Slide 8: Quantum Algorithms</a:t>
+              <a:t>Slide 8: Quantum Applications</a:t>
             </a:r>
           </a:p>
         </p:txBody>
@@ -4033,7 +4033,7 @@
           <a:p>
             <a:r>
               <a:rPr b="1" sz="1800"/>
-              <a:t>Overview of key algorithms used in quantum computing such as Grover's and Shor's algorithms.</a:t>
+              <a:t>Various applications of quantum mechanics in different fields.</a:t>
             </a:r>
           </a:p>
         </p:txBody>
@@ -4065,7 +4065,7 @@
               <a:defRPr sz="1200"/>
             </a:pPr>
             <a:r>
-              <a:t>- Grover, L. K. (1996). A fast quantum mechanical algorithm for database search.</a:t>
+              <a:t>- https://www.sciencedaily.com/terms/quantum_mechanics.htm</a:t>
             </a:r>
           </a:p>
         </p:txBody>
